--- a/A Sloshing problem.pptx
+++ b/A Sloshing problem.pptx
@@ -269,7 +269,7 @@
           <a:p>
             <a:fld id="{CC613401-192B-44B8-8571-3D04C6604BB9}" type="datetimeFigureOut">
               <a:rPr lang="en-US" smtClean="0"/>
-              <a:t>10/16/2025</a:t>
+              <a:t>10/17/2025</a:t>
             </a:fld>
             <a:endParaRPr lang="en-US"/>
           </a:p>
@@ -467,7 +467,7 @@
           <a:p>
             <a:fld id="{CC613401-192B-44B8-8571-3D04C6604BB9}" type="datetimeFigureOut">
               <a:rPr lang="en-US" smtClean="0"/>
-              <a:t>10/16/2025</a:t>
+              <a:t>10/17/2025</a:t>
             </a:fld>
             <a:endParaRPr lang="en-US"/>
           </a:p>
@@ -675,7 +675,7 @@
           <a:p>
             <a:fld id="{CC613401-192B-44B8-8571-3D04C6604BB9}" type="datetimeFigureOut">
               <a:rPr lang="en-US" smtClean="0"/>
-              <a:t>10/16/2025</a:t>
+              <a:t>10/17/2025</a:t>
             </a:fld>
             <a:endParaRPr lang="en-US"/>
           </a:p>
@@ -873,7 +873,7 @@
           <a:p>
             <a:fld id="{CC613401-192B-44B8-8571-3D04C6604BB9}" type="datetimeFigureOut">
               <a:rPr lang="en-US" smtClean="0"/>
-              <a:t>10/16/2025</a:t>
+              <a:t>10/17/2025</a:t>
             </a:fld>
             <a:endParaRPr lang="en-US"/>
           </a:p>
@@ -1148,7 +1148,7 @@
           <a:p>
             <a:fld id="{CC613401-192B-44B8-8571-3D04C6604BB9}" type="datetimeFigureOut">
               <a:rPr lang="en-US" smtClean="0"/>
-              <a:t>10/16/2025</a:t>
+              <a:t>10/17/2025</a:t>
             </a:fld>
             <a:endParaRPr lang="en-US"/>
           </a:p>
@@ -1413,7 +1413,7 @@
           <a:p>
             <a:fld id="{CC613401-192B-44B8-8571-3D04C6604BB9}" type="datetimeFigureOut">
               <a:rPr lang="en-US" smtClean="0"/>
-              <a:t>10/16/2025</a:t>
+              <a:t>10/17/2025</a:t>
             </a:fld>
             <a:endParaRPr lang="en-US"/>
           </a:p>
@@ -1825,7 +1825,7 @@
           <a:p>
             <a:fld id="{CC613401-192B-44B8-8571-3D04C6604BB9}" type="datetimeFigureOut">
               <a:rPr lang="en-US" smtClean="0"/>
-              <a:t>10/16/2025</a:t>
+              <a:t>10/17/2025</a:t>
             </a:fld>
             <a:endParaRPr lang="en-US"/>
           </a:p>
@@ -1966,7 +1966,7 @@
           <a:p>
             <a:fld id="{CC613401-192B-44B8-8571-3D04C6604BB9}" type="datetimeFigureOut">
               <a:rPr lang="en-US" smtClean="0"/>
-              <a:t>10/16/2025</a:t>
+              <a:t>10/17/2025</a:t>
             </a:fld>
             <a:endParaRPr lang="en-US"/>
           </a:p>
@@ -2079,7 +2079,7 @@
           <a:p>
             <a:fld id="{CC613401-192B-44B8-8571-3D04C6604BB9}" type="datetimeFigureOut">
               <a:rPr lang="en-US" smtClean="0"/>
-              <a:t>10/16/2025</a:t>
+              <a:t>10/17/2025</a:t>
             </a:fld>
             <a:endParaRPr lang="en-US"/>
           </a:p>
@@ -2390,7 +2390,7 @@
           <a:p>
             <a:fld id="{CC613401-192B-44B8-8571-3D04C6604BB9}" type="datetimeFigureOut">
               <a:rPr lang="en-US" smtClean="0"/>
-              <a:t>10/16/2025</a:t>
+              <a:t>10/17/2025</a:t>
             </a:fld>
             <a:endParaRPr lang="en-US"/>
           </a:p>
@@ -2678,7 +2678,7 @@
           <a:p>
             <a:fld id="{CC613401-192B-44B8-8571-3D04C6604BB9}" type="datetimeFigureOut">
               <a:rPr lang="en-US" smtClean="0"/>
-              <a:t>10/16/2025</a:t>
+              <a:t>10/17/2025</a:t>
             </a:fld>
             <a:endParaRPr lang="en-US"/>
           </a:p>
@@ -2919,7 +2919,7 @@
           <a:p>
             <a:fld id="{CC613401-192B-44B8-8571-3D04C6604BB9}" type="datetimeFigureOut">
               <a:rPr lang="en-US" smtClean="0"/>
-              <a:t>10/16/2025</a:t>
+              <a:t>10/17/2025</a:t>
             </a:fld>
             <a:endParaRPr lang="en-US"/>
           </a:p>
@@ -9040,8 +9040,8 @@
           </a:p>
         </p:txBody>
       </p:sp>
-      <mc:AlternateContent xmlns:mc="http://schemas.openxmlformats.org/markup-compatibility/2006">
-        <mc:Choice xmlns:a14="http://schemas.microsoft.com/office/drawing/2010/main" Requires="a14">
+      <mc:AlternateContent xmlns:mc="http://schemas.openxmlformats.org/markup-compatibility/2006" xmlns:a14="http://schemas.microsoft.com/office/drawing/2010/main">
+        <mc:Choice Requires="a14">
           <p:sp>
             <p:nvSpPr>
               <p:cNvPr id="3" name="Subtitle 2">
@@ -9156,7 +9156,25 @@
                                   </a:solidFill>
                                   <a:latin typeface="Cambria Math" panose="02040503050406030204" pitchFamily="18" charset="0"/>
                                 </a:rPr>
-                                <m:t>=0,   </m:t>
+                                <m:t>=</m:t>
+                              </m:r>
+                              <m:r>
+                                <a:rPr lang="nb-NO" sz="1800" b="0" i="1" smtClean="0">
+                                  <a:solidFill>
+                                    <a:schemeClr val="tx2"/>
+                                  </a:solidFill>
+                                  <a:latin typeface="Cambria Math" panose="02040503050406030204" pitchFamily="18" charset="0"/>
+                                </a:rPr>
+                                <m:t>0</m:t>
+                              </m:r>
+                              <m:r>
+                                <a:rPr lang="nb-NO" sz="1800" b="0" i="1" smtClean="0">
+                                  <a:solidFill>
+                                    <a:schemeClr val="tx2"/>
+                                  </a:solidFill>
+                                  <a:latin typeface="Cambria Math" panose="02040503050406030204" pitchFamily="18" charset="0"/>
+                                </a:rPr>
+                                <m:t>,   </m:t>
                               </m:r>
                               <m:d>
                                 <m:dPr>
@@ -9360,7 +9378,25 @@
                                   </a:solidFill>
                                   <a:latin typeface="Cambria Math" panose="02040503050406030204" pitchFamily="18" charset="0"/>
                                 </a:rPr>
-                                <m:t>,0]</m:t>
+                                <m:t>,</m:t>
+                              </m:r>
+                              <m:r>
+                                <a:rPr lang="nb-NO" sz="1800" b="0" i="1" smtClean="0">
+                                  <a:solidFill>
+                                    <a:schemeClr val="tx2"/>
+                                  </a:solidFill>
+                                  <a:latin typeface="Cambria Math" panose="02040503050406030204" pitchFamily="18" charset="0"/>
+                                </a:rPr>
+                                <m:t>0</m:t>
+                              </m:r>
+                              <m:r>
+                                <a:rPr lang="nb-NO" sz="1800" b="0" i="1" smtClean="0">
+                                  <a:solidFill>
+                                    <a:schemeClr val="tx2"/>
+                                  </a:solidFill>
+                                  <a:latin typeface="Cambria Math" panose="02040503050406030204" pitchFamily="18" charset="0"/>
+                                </a:rPr>
+                                <m:t>]</m:t>
                               </m:r>
                             </m:e>
                             <m:e>
@@ -9532,7 +9568,25 @@
                                       </a:solidFill>
                                       <a:latin typeface="Cambria Math" panose="02040503050406030204" pitchFamily="18" charset="0"/>
                                     </a:rPr>
-                                    <m:t>=0, </m:t>
+                                    <m:t>=</m:t>
+                                  </m:r>
+                                  <m:r>
+                                    <a:rPr lang="nb-NO" sz="1800" b="0" i="1" smtClean="0">
+                                      <a:solidFill>
+                                        <a:schemeClr val="tx2"/>
+                                      </a:solidFill>
+                                      <a:latin typeface="Cambria Math" panose="02040503050406030204" pitchFamily="18" charset="0"/>
+                                    </a:rPr>
+                                    <m:t>0</m:t>
+                                  </m:r>
+                                  <m:r>
+                                    <a:rPr lang="nb-NO" sz="1800" b="0" i="1" smtClean="0">
+                                      <a:solidFill>
+                                        <a:schemeClr val="tx2"/>
+                                      </a:solidFill>
+                                      <a:latin typeface="Cambria Math" panose="02040503050406030204" pitchFamily="18" charset="0"/>
+                                    </a:rPr>
+                                    <m:t>, </m:t>
                                   </m:r>
                                 </m:e>
                               </m:nary>
@@ -9765,7 +9819,25 @@
                                   </a:solidFill>
                                   <a:latin typeface="Cambria Math" panose="02040503050406030204" pitchFamily="18" charset="0"/>
                                 </a:rPr>
-                                <m:t>=0,       </m:t>
+                                <m:t>=</m:t>
+                              </m:r>
+                              <m:r>
+                                <a:rPr lang="nb-NO" sz="1800" b="0" i="1" smtClean="0">
+                                  <a:solidFill>
+                                    <a:schemeClr val="tx2"/>
+                                  </a:solidFill>
+                                  <a:latin typeface="Cambria Math" panose="02040503050406030204" pitchFamily="18" charset="0"/>
+                                </a:rPr>
+                                <m:t>0</m:t>
+                              </m:r>
+                              <m:r>
+                                <a:rPr lang="nb-NO" sz="1800" b="0" i="1" smtClean="0">
+                                  <a:solidFill>
+                                    <a:schemeClr val="tx2"/>
+                                  </a:solidFill>
+                                  <a:latin typeface="Cambria Math" panose="02040503050406030204" pitchFamily="18" charset="0"/>
+                                </a:rPr>
+                                <m:t>,       </m:t>
                               </m:r>
                               <m:r>
                                 <a:rPr lang="nb-NO" sz="1800" b="0" i="0" smtClean="0">
@@ -10093,7 +10165,7 @@
                                   </a:solidFill>
                                   <a:latin typeface="Cambria Math" panose="02040503050406030204" pitchFamily="18" charset="0"/>
                                 </a:rPr>
-                                <m:t>'</m:t>
+                                <m:t>′</m:t>
                               </m:r>
                               <m:r>
                                 <a:rPr lang="nb-NO" sz="1800" b="1" i="1" smtClean="0">
@@ -10450,7 +10522,7 @@
             </p:txBody>
           </p:sp>
         </mc:Choice>
-        <mc:Fallback>
+        <mc:Fallback xmlns="">
           <p:sp>
             <p:nvSpPr>
               <p:cNvPr id="3" name="Subtitle 2">
@@ -15716,8 +15788,8 @@
           </a:p>
         </p:txBody>
       </p:sp>
-      <mc:AlternateContent xmlns:mc="http://schemas.openxmlformats.org/markup-compatibility/2006">
-        <mc:Choice xmlns:a14="http://schemas.microsoft.com/office/drawing/2010/main" Requires="a14">
+      <mc:AlternateContent xmlns:mc="http://schemas.openxmlformats.org/markup-compatibility/2006" xmlns:a14="http://schemas.microsoft.com/office/drawing/2010/main">
+        <mc:Choice Requires="a14">
           <p:sp>
             <p:nvSpPr>
               <p:cNvPr id="3" name="Subtitle 2">
@@ -15892,7 +15964,7 @@
                           </a:solidFill>
                           <a:latin typeface="Cambria Math" panose="02040503050406030204" pitchFamily="18" charset="0"/>
                         </a:rPr>
-                        <m:t>-</m:t>
+                        <m:t>−</m:t>
                       </m:r>
                       <m:r>
                         <a:rPr lang="en-US" altLang="zh-CN" sz="2000" i="1">
@@ -16020,7 +16092,7 @@
                               </a:solidFill>
                               <a:latin typeface="Cambria Math" panose="02040503050406030204" pitchFamily="18" charset="0"/>
                             </a:rPr>
-                            <m:t> -</m:t>
+                            <m:t> −</m:t>
                           </m:r>
                           <m:r>
                             <a:rPr lang="en-US" altLang="zh-CN" sz="2000" b="1" i="1">
@@ -16227,7 +16299,7 @@
             </p:txBody>
           </p:sp>
         </mc:Choice>
-        <mc:Fallback>
+        <mc:Fallback xmlns="">
           <p:sp>
             <p:nvSpPr>
               <p:cNvPr id="3" name="Subtitle 2">
@@ -19147,7 +19219,7 @@
                               </a:solidFill>
                               <a:latin typeface="Cambria Math" panose="02040503050406030204" pitchFamily="18" charset="0"/>
                             </a:rPr>
-                            <m:t>-</m:t>
+                            <m:t>−</m:t>
                           </m:r>
                           <m:r>
                             <a:rPr lang="en-US" altLang="zh-CN" i="1">
@@ -19166,6 +19238,24 @@
                               <a:latin typeface="Cambria Math" panose="02040503050406030204" pitchFamily="18" charset="0"/>
                             </a:rPr>
                             <m:t>𝒈</m:t>
+                          </m:r>
+                          <m:r>
+                            <a:rPr lang="en-US" altLang="zh-CN" b="1" i="1" smtClean="0">
+                              <a:solidFill>
+                                <a:schemeClr val="tx2"/>
+                              </a:solidFill>
+                              <a:latin typeface="Cambria Math" panose="02040503050406030204" pitchFamily="18" charset="0"/>
+                            </a:rPr>
+                            <m:t>⋅</m:t>
+                          </m:r>
+                          <m:r>
+                            <a:rPr lang="en-US" altLang="zh-CN" b="1" i="1" smtClean="0">
+                              <a:solidFill>
+                                <a:schemeClr val="tx2"/>
+                              </a:solidFill>
+                              <a:latin typeface="Cambria Math" panose="02040503050406030204" pitchFamily="18" charset="0"/>
+                            </a:rPr>
+                            <m:t>𝒓</m:t>
                           </m:r>
                           <m:r>
                             <a:rPr lang="en-US" altLang="zh-CN" b="0" i="1" smtClean="0">
@@ -19226,7 +19316,25 @@
                               </a:solidFill>
                               <a:latin typeface="Cambria Math" panose="02040503050406030204" pitchFamily="18" charset="0"/>
                             </a:rPr>
-                            <m:t>-</m:t>
+                            <m:t>⋅</m:t>
+                          </m:r>
+                          <m:r>
+                            <a:rPr lang="en-US" altLang="zh-CN" b="1" i="1" smtClean="0">
+                              <a:solidFill>
+                                <a:schemeClr val="tx2"/>
+                              </a:solidFill>
+                              <a:latin typeface="Cambria Math" panose="02040503050406030204" pitchFamily="18" charset="0"/>
+                            </a:rPr>
+                            <m:t>𝒓</m:t>
+                          </m:r>
+                          <m:r>
+                            <a:rPr lang="en-US" altLang="zh-CN" b="0" i="1" smtClean="0">
+                              <a:solidFill>
+                                <a:schemeClr val="tx2"/>
+                              </a:solidFill>
+                              <a:latin typeface="Cambria Math" panose="02040503050406030204" pitchFamily="18" charset="0"/>
+                            </a:rPr>
+                            <m:t>−</m:t>
                           </m:r>
                           <m:r>
                             <a:rPr lang="en-US" altLang="zh-CN" i="1">
@@ -19334,7 +19442,7 @@
                               </a:solidFill>
                               <a:latin typeface="Cambria Math" panose="02040503050406030204" pitchFamily="18" charset="0"/>
                             </a:rPr>
-                            <m:t> - </m:t>
+                            <m:t> − </m:t>
                           </m:r>
                           <m:r>
                             <a:rPr lang="en-US" altLang="zh-CN" i="1">
@@ -20090,7 +20198,7 @@
               <a:blipFill>
                 <a:blip r:embed="rId2"/>
                 <a:stretch>
-                  <a:fillRect l="-940" t="-18367"/>
+                  <a:fillRect l="-1097" t="-18367"/>
                 </a:stretch>
               </a:blipFill>
             </p:spPr>
@@ -22682,8 +22790,8 @@
           </a:p>
         </p:txBody>
       </p:sp>
-      <mc:AlternateContent xmlns:mc="http://schemas.openxmlformats.org/markup-compatibility/2006">
-        <mc:Choice xmlns:a14="http://schemas.microsoft.com/office/drawing/2010/main" Requires="a14">
+      <mc:AlternateContent xmlns:mc="http://schemas.openxmlformats.org/markup-compatibility/2006" xmlns:a14="http://schemas.microsoft.com/office/drawing/2010/main">
+        <mc:Choice Requires="a14">
           <p:sp>
             <p:nvSpPr>
               <p:cNvPr id="3" name="Subtitle 2">
@@ -22918,7 +23026,7 @@
                                 </a:solidFill>
                                 <a:latin typeface="Cambria Math" panose="02040503050406030204" pitchFamily="18" charset="0"/>
                               </a:rPr>
-                              <m:t>-</m:t>
+                              <m:t>−</m:t>
                             </m:r>
                             <m:r>
                               <a:rPr lang="en-US" altLang="zh-CN" sz="2800" b="0" i="1" smtClean="0">
@@ -23422,7 +23530,7 @@
             </p:txBody>
           </p:sp>
         </mc:Choice>
-        <mc:Fallback>
+        <mc:Fallback xmlns="">
           <p:sp>
             <p:nvSpPr>
               <p:cNvPr id="3" name="Subtitle 2">
@@ -28396,8 +28504,8 @@
           </a:prstGeom>
         </p:spPr>
       </p:pic>
-      <mc:AlternateContent xmlns:mc="http://schemas.openxmlformats.org/markup-compatibility/2006">
-        <mc:Choice xmlns:a14="http://schemas.microsoft.com/office/drawing/2010/main" Requires="a14">
+      <mc:AlternateContent xmlns:mc="http://schemas.openxmlformats.org/markup-compatibility/2006" xmlns:a14="http://schemas.microsoft.com/office/drawing/2010/main">
+        <mc:Choice Requires="a14">
           <p:sp>
             <p:nvSpPr>
               <p:cNvPr id="6" name="副标题 5">
@@ -28449,7 +28557,7 @@
             </p:txBody>
           </p:sp>
         </mc:Choice>
-        <mc:Fallback>
+        <mc:Fallback xmlns="">
           <p:sp>
             <p:nvSpPr>
               <p:cNvPr id="6" name="副标题 5">
